--- a/slides/00-courseintroduction.pptx
+++ b/slides/00-courseintroduction.pptx
@@ -5,10 +5,10 @@
     <p:sldMasterId id="2147483752" r:id="rId1"/>
   </p:sldMasterIdLst>
   <p:notesMasterIdLst>
-    <p:notesMasterId r:id="rId57"/>
+    <p:notesMasterId r:id="rId54"/>
   </p:notesMasterIdLst>
   <p:handoutMasterIdLst>
-    <p:handoutMasterId r:id="rId58"/>
+    <p:handoutMasterId r:id="rId55"/>
   </p:handoutMasterIdLst>
   <p:sldIdLst>
     <p:sldId id="447" r:id="rId2"/>
@@ -56,21 +56,18 @@
     <p:sldId id="456" r:id="rId44"/>
     <p:sldId id="457" r:id="rId45"/>
     <p:sldId id="454" r:id="rId46"/>
-    <p:sldId id="455" r:id="rId47"/>
-    <p:sldId id="465" r:id="rId48"/>
-    <p:sldId id="466" r:id="rId49"/>
-    <p:sldId id="434" r:id="rId50"/>
-    <p:sldId id="483" r:id="rId51"/>
-    <p:sldId id="476" r:id="rId52"/>
-    <p:sldId id="477" r:id="rId53"/>
-    <p:sldId id="478" r:id="rId54"/>
-    <p:sldId id="479" r:id="rId55"/>
-    <p:sldId id="480" r:id="rId56"/>
+    <p:sldId id="434" r:id="rId47"/>
+    <p:sldId id="483" r:id="rId48"/>
+    <p:sldId id="476" r:id="rId49"/>
+    <p:sldId id="477" r:id="rId50"/>
+    <p:sldId id="478" r:id="rId51"/>
+    <p:sldId id="479" r:id="rId52"/>
+    <p:sldId id="480" r:id="rId53"/>
   </p:sldIdLst>
   <p:sldSz cx="12192000" cy="6858000"/>
   <p:notesSz cx="7315200" cy="9601200"/>
   <p:custDataLst>
-    <p:tags r:id="rId59"/>
+    <p:tags r:id="rId56"/>
   </p:custDataLst>
   <p:defaultTextStyle>
     <a:defPPr>
@@ -1219,158 +1216,6 @@
     <p:extLst>
       <p:ext uri="{BB962C8B-B14F-4D97-AF65-F5344CB8AC3E}">
         <p14:creationId xmlns:p14="http://schemas.microsoft.com/office/powerpoint/2010/main" val="1858186174"/>
-      </p:ext>
-    </p:extLst>
-  </p:cSld>
-  <p:clrMapOvr>
-    <a:masterClrMapping/>
-  </p:clrMapOvr>
-</p:notes>
-</file>
-
-<file path=ppt/notesSlides/notesSlide4.xml><?xml version="1.0" encoding="utf-8"?>
-<p:notes xmlns:a="http://schemas.openxmlformats.org/drawingml/2006/main" xmlns:r="http://schemas.openxmlformats.org/officeDocument/2006/relationships" xmlns:p="http://schemas.openxmlformats.org/presentationml/2006/main">
-  <p:cSld>
-    <p:spTree>
-      <p:nvGrpSpPr>
-        <p:cNvPr id="1" name=""/>
-        <p:cNvGrpSpPr/>
-        <p:nvPr/>
-      </p:nvGrpSpPr>
-      <p:grpSpPr>
-        <a:xfrm>
-          <a:off x="0" y="0"/>
-          <a:ext cx="0" cy="0"/>
-          <a:chOff x="0" y="0"/>
-          <a:chExt cx="0" cy="0"/>
-        </a:xfrm>
-      </p:grpSpPr>
-      <p:sp>
-        <p:nvSpPr>
-          <p:cNvPr id="52226" name="Rectangle 7"/>
-          <p:cNvSpPr>
-            <a:spLocks noGrp="1" noChangeArrowheads="1"/>
-          </p:cNvSpPr>
-          <p:nvPr>
-            <p:ph type="sldNum" sz="quarter" idx="5"/>
-          </p:nvPr>
-        </p:nvSpPr>
-        <p:spPr>
-          <a:noFill/>
-        </p:spPr>
-        <p:txBody>
-          <a:bodyPr/>
-          <a:lstStyle/>
-          <a:p>
-            <a:fld id="{0E1F8137-5628-489C-8F34-1267C6EC6E68}" type="slidenum">
-              <a:rPr lang="en-US" smtClean="0"/>
-              <a:pPr/>
-              <a:t>46</a:t>
-            </a:fld>
-            <a:endParaRPr lang="en-US"/>
-          </a:p>
-        </p:txBody>
-      </p:sp>
-      <p:sp>
-        <p:nvSpPr>
-          <p:cNvPr id="52227" name="Rectangle 2"/>
-          <p:cNvSpPr>
-            <a:spLocks noGrp="1" noRot="1" noChangeAspect="1" noChangeArrowheads="1" noTextEdit="1"/>
-          </p:cNvSpPr>
-          <p:nvPr>
-            <p:ph type="sldImg"/>
-          </p:nvPr>
-        </p:nvSpPr>
-        <p:spPr>
-          <a:xfrm>
-            <a:off x="458788" y="719138"/>
-            <a:ext cx="6400800" cy="3600450"/>
-          </a:xfrm>
-          <a:ln/>
-        </p:spPr>
-      </p:sp>
-      <p:sp>
-        <p:nvSpPr>
-          <p:cNvPr id="52228" name="Rectangle 3"/>
-          <p:cNvSpPr>
-            <a:spLocks noGrp="1" noChangeArrowheads="1"/>
-          </p:cNvSpPr>
-          <p:nvPr>
-            <p:ph type="body" idx="1"/>
-          </p:nvPr>
-        </p:nvSpPr>
-        <p:spPr>
-          <a:xfrm>
-            <a:off x="975915" y="4558927"/>
-            <a:ext cx="5363372" cy="4323828"/>
-          </a:xfrm>
-          <a:noFill/>
-          <a:ln/>
-        </p:spPr>
-        <p:txBody>
-          <a:bodyPr/>
-          <a:lstStyle/>
-          <a:p>
-            <a:r>
-              <a:rPr lang="en-US" dirty="0"/>
-              <a:t>Use a funny name for the 11-cent coin.  Name it after yourself, or call it a “</a:t>
-            </a:r>
-            <a:r>
-              <a:rPr lang="en-US" dirty="0" err="1"/>
-              <a:t>Kardashian</a:t>
-            </a:r>
-            <a:r>
-              <a:rPr lang="en-US" dirty="0"/>
-              <a:t>” or</a:t>
-            </a:r>
-            <a:r>
-              <a:rPr lang="en-US" baseline="0" dirty="0"/>
-              <a:t> a </a:t>
-            </a:r>
-            <a:r>
-              <a:rPr lang="en-US" baseline="0" dirty="0" err="1"/>
-              <a:t>Floryan</a:t>
-            </a:r>
-            <a:r>
-              <a:rPr lang="en-US" baseline="0" dirty="0"/>
-              <a:t> </a:t>
-            </a:r>
-            <a:r>
-              <a:rPr lang="en-US" dirty="0"/>
-              <a:t>or something.</a:t>
-            </a:r>
-          </a:p>
-          <a:p>
-            <a:endParaRPr lang="en-US" dirty="0"/>
-          </a:p>
-          <a:p>
-            <a:r>
-              <a:rPr lang="en-US" dirty="0"/>
-              <a:t>If our set of coins contains a “</a:t>
-            </a:r>
-            <a:r>
-              <a:rPr lang="en-US" dirty="0" err="1"/>
-              <a:t>Kardashian</a:t>
-            </a:r>
-            <a:r>
-              <a:rPr lang="en-US" dirty="0"/>
-              <a:t>” plus the usual, then our algorithm will return first a </a:t>
-            </a:r>
-            <a:r>
-              <a:rPr lang="en-US" dirty="0" err="1"/>
-              <a:t>Kardashian</a:t>
-            </a:r>
-            <a:r>
-              <a:rPr lang="en-US" dirty="0"/>
-              <a:t>, then four pennies.  Five coins.  The best answer is a dime and a nickel, or two coins.</a:t>
-            </a:r>
-          </a:p>
-        </p:txBody>
-      </p:sp>
-    </p:spTree>
-    <p:extLst>
-      <p:ext uri="{BB962C8B-B14F-4D97-AF65-F5344CB8AC3E}">
-        <p14:creationId xmlns:p14="http://schemas.microsoft.com/office/powerpoint/2010/main" val="1116274864"/>
       </p:ext>
     </p:extLst>
   </p:cSld>
@@ -12556,64 +12401,21 @@
             <a:pPr lvl="1"/>
             <a:r>
               <a:rPr lang="en-US" dirty="0"/>
-              <a:t>Good time </a:t>
-            </a:r>
-            <a:r>
-              <a:rPr lang="en-US" i="1" dirty="0"/>
-              <a:t>complexity</a:t>
-            </a:r>
-            <a:r>
-              <a:rPr lang="en-US" dirty="0"/>
-              <a:t>.  (Maybe space complexity.)</a:t>
-            </a:r>
-          </a:p>
-          <a:p>
-            <a:pPr lvl="1"/>
-            <a:r>
-              <a:rPr lang="en-US" dirty="0"/>
-              <a:t>Better than any other algorithm</a:t>
-            </a:r>
-          </a:p>
-          <a:p>
-            <a:pPr lvl="1"/>
-            <a:r>
-              <a:rPr lang="en-US" dirty="0"/>
-              <a:t>Easy to understand</a:t>
-            </a:r>
-          </a:p>
-          <a:p>
-            <a:r>
-              <a:rPr lang="en-US" dirty="0"/>
-              <a:t>How could we measure how much work an algorithm does?</a:t>
-            </a:r>
-          </a:p>
-          <a:p>
-            <a:pPr lvl="1"/>
-            <a:r>
-              <a:rPr lang="en-US" dirty="0"/>
-              <a:t>Code it and time it.  Issues?</a:t>
-            </a:r>
-          </a:p>
-          <a:p>
-            <a:pPr lvl="1"/>
-            <a:r>
-              <a:rPr lang="en-US" dirty="0"/>
-              <a:t>Count how many “instructions” it does before implementing it</a:t>
-            </a:r>
-          </a:p>
-          <a:p>
-            <a:pPr lvl="1"/>
-            <a:r>
-              <a:rPr lang="en-US" dirty="0"/>
-              <a:t>Computer scientists count basic operations, and use a rough measure of this: order class, e.g. O(n </a:t>
-            </a:r>
-            <a:r>
-              <a:rPr lang="en-US" dirty="0" err="1"/>
-              <a:t>lg</a:t>
-            </a:r>
-            <a:r>
-              <a:rPr lang="en-US" dirty="0"/>
-              <a:t> n)</a:t>
+              <a:t>Is it fast?</a:t>
+            </a:r>
+          </a:p>
+          <a:p>
+            <a:pPr lvl="1"/>
+            <a:r>
+              <a:rPr lang="en-US" dirty="0"/>
+              <a:t>Does it ALWAYS work (return fewest number of coins for all inputs)?</a:t>
+            </a:r>
+          </a:p>
+          <a:p>
+            <a:pPr lvl="1"/>
+            <a:r>
+              <a:rPr lang="en-US" dirty="0"/>
+              <a:t>Are there other changes to the problem that might make this algorithm no longer work?</a:t>
             </a:r>
           </a:p>
         </p:txBody>
@@ -12659,6 +12461,9 @@
                     <p:cTn id="3" fill="hold">
                       <p:stCondLst>
                         <p:cond delay="indefinite"/>
+                        <p:cond evt="onBegin" delay="0">
+                          <p:tn val="2"/>
+                        </p:cond>
                       </p:stCondLst>
                       <p:childTnLst>
                         <p:par>
@@ -12668,7 +12473,7 @@
                             </p:stCondLst>
                             <p:childTnLst>
                               <p:par>
-                                <p:cTn id="5" presetID="1" presetClass="entr" presetSubtype="0" fill="hold" nodeType="clickEffect">
+                                <p:cTn id="5" presetID="1" presetClass="entr" presetSubtype="0" fill="hold" nodeType="withEffect">
                                   <p:stCondLst>
                                     <p:cond delay="0"/>
                                   </p:stCondLst>
@@ -12683,7 +12488,7 @@
                                         <p:tgtEl>
                                           <p:spTgt spid="353283">
                                             <p:txEl>
-                                              <p:pRg st="4" end="4"/>
+                                              <p:pRg st="1" end="1"/>
                                             </p:txEl>
                                           </p:spTgt>
                                         </p:tgtEl>
@@ -12714,7 +12519,7 @@
                                         <p:tgtEl>
                                           <p:spTgt spid="353283">
                                             <p:txEl>
-                                              <p:pRg st="5" end="5"/>
+                                              <p:pRg st="2" end="2"/>
                                             </p:txEl>
                                           </p:spTgt>
                                         </p:tgtEl>
@@ -12745,38 +12550,7 @@
                                         <p:tgtEl>
                                           <p:spTgt spid="353283">
                                             <p:txEl>
-                                              <p:pRg st="6" end="6"/>
-                                            </p:txEl>
-                                          </p:spTgt>
-                                        </p:tgtEl>
-                                        <p:attrNameLst>
-                                          <p:attrName>style.visibility</p:attrName>
-                                        </p:attrNameLst>
-                                      </p:cBhvr>
-                                      <p:to>
-                                        <p:strVal val="visible"/>
-                                      </p:to>
-                                    </p:set>
-                                  </p:childTnLst>
-                                </p:cTn>
-                              </p:par>
-                              <p:par>
-                                <p:cTn id="11" presetID="1" presetClass="entr" presetSubtype="0" fill="hold" nodeType="withEffect">
-                                  <p:stCondLst>
-                                    <p:cond delay="0"/>
-                                  </p:stCondLst>
-                                  <p:childTnLst>
-                                    <p:set>
-                                      <p:cBhvr>
-                                        <p:cTn id="12" dur="1" fill="hold">
-                                          <p:stCondLst>
-                                            <p:cond delay="0"/>
-                                          </p:stCondLst>
-                                        </p:cTn>
-                                        <p:tgtEl>
-                                          <p:spTgt spid="353283">
-                                            <p:txEl>
-                                              <p:pRg st="7" end="7"/>
+                                              <p:pRg st="3" end="3"/>
                                             </p:txEl>
                                           </p:spTgt>
                                         </p:tgtEl>
@@ -13319,950 +13093,6 @@
       </p:grpSpPr>
       <p:sp>
         <p:nvSpPr>
-          <p:cNvPr id="37890" name="Rectangle 2"/>
-          <p:cNvSpPr>
-            <a:spLocks noGrp="1" noChangeArrowheads="1"/>
-          </p:cNvSpPr>
-          <p:nvPr>
-            <p:ph type="title"/>
-            <p:custDataLst>
-              <p:tags r:id="rId1"/>
-            </p:custDataLst>
-          </p:nvPr>
-        </p:nvSpPr>
-        <p:spPr/>
-        <p:txBody>
-          <a:bodyPr/>
-          <a:lstStyle/>
-          <a:p>
-            <a:r>
-              <a:rPr lang="en-US"/>
-              <a:t>Does Greed Pay Off?</a:t>
-            </a:r>
-          </a:p>
-        </p:txBody>
-      </p:sp>
-      <p:sp>
-        <p:nvSpPr>
-          <p:cNvPr id="351235" name="Rectangle 3"/>
-          <p:cNvSpPr>
-            <a:spLocks noGrp="1" noChangeArrowheads="1"/>
-          </p:cNvSpPr>
-          <p:nvPr>
-            <p:ph idx="1"/>
-            <p:custDataLst>
-              <p:tags r:id="rId2"/>
-            </p:custDataLst>
-          </p:nvPr>
-        </p:nvSpPr>
-        <p:spPr>
-          <a:xfrm>
-            <a:off x="1447800" y="1600200"/>
-            <a:ext cx="9420888" cy="4830744"/>
-          </a:xfrm>
-        </p:spPr>
-        <p:txBody>
-          <a:bodyPr>
-            <a:normAutofit fontScale="92500" lnSpcReduction="10000"/>
-          </a:bodyPr>
-          <a:lstStyle/>
-          <a:p>
-            <a:r>
-              <a:rPr lang="en-US" dirty="0"/>
-              <a:t>Greedy algorithms are often efficient.</a:t>
-            </a:r>
-          </a:p>
-          <a:p>
-            <a:r>
-              <a:rPr lang="en-US" dirty="0"/>
-              <a:t>Are they always right? Always find the optimal answer?</a:t>
-            </a:r>
-          </a:p>
-          <a:p>
-            <a:pPr lvl="1"/>
-            <a:r>
-              <a:rPr lang="en-US" dirty="0"/>
-              <a:t>For some problems.</a:t>
-            </a:r>
-          </a:p>
-          <a:p>
-            <a:pPr lvl="1"/>
-            <a:r>
-              <a:rPr lang="en-US" dirty="0"/>
-              <a:t>Not for checkers or chess!</a:t>
-            </a:r>
-          </a:p>
-          <a:p>
-            <a:pPr lvl="1"/>
-            <a:r>
-              <a:rPr lang="en-US" dirty="0"/>
-              <a:t>Always for coin-changing problem? Depends on coin values</a:t>
-            </a:r>
-          </a:p>
-          <a:p>
-            <a:pPr lvl="2"/>
-            <a:r>
-              <a:rPr lang="en-US" dirty="0"/>
-              <a:t>Say we had a 11-cent coin</a:t>
-            </a:r>
-          </a:p>
-          <a:p>
-            <a:pPr lvl="2"/>
-            <a:r>
-              <a:rPr lang="en-US" dirty="0"/>
-              <a:t>What happens if we need to return 15 cents?</a:t>
-            </a:r>
-          </a:p>
-          <a:p>
-            <a:pPr lvl="1"/>
-            <a:r>
-              <a:rPr lang="en-US" dirty="0"/>
-              <a:t>So how do we know?</a:t>
-            </a:r>
-          </a:p>
-          <a:p>
-            <a:r>
-              <a:rPr lang="en-US" dirty="0"/>
-              <a:t>In the real world:</a:t>
-            </a:r>
-          </a:p>
-          <a:p>
-            <a:pPr lvl="1"/>
-            <a:r>
-              <a:rPr lang="en-US" dirty="0"/>
-              <a:t>Many optimization problems</a:t>
-            </a:r>
-          </a:p>
-          <a:p>
-            <a:pPr lvl="1"/>
-            <a:r>
-              <a:rPr lang="en-US" dirty="0"/>
-              <a:t>Many good greedy solutions to some of these</a:t>
-            </a:r>
-          </a:p>
-        </p:txBody>
-      </p:sp>
-      <p:sp>
-        <p:nvSpPr>
-          <p:cNvPr id="4" name="Slide Number Placeholder 3"/>
-          <p:cNvSpPr>
-            <a:spLocks noGrp="1"/>
-          </p:cNvSpPr>
-          <p:nvPr>
-            <p:ph type="sldNum" sz="quarter" idx="12"/>
-          </p:nvPr>
-        </p:nvSpPr>
-        <p:spPr/>
-        <p:txBody>
-          <a:bodyPr/>
-          <a:lstStyle/>
-          <a:p>
-            <a:fld id="{F26D9103-0C5C-48AC-B68E-3ED2C1647047}" type="slidenum">
-              <a:rPr lang="en-US" smtClean="0"/>
-              <a:pPr/>
-              <a:t>46</a:t>
-            </a:fld>
-            <a:endParaRPr lang="en-US"/>
-          </a:p>
-        </p:txBody>
-      </p:sp>
-    </p:spTree>
-  </p:cSld>
-  <p:clrMapOvr>
-    <a:masterClrMapping/>
-  </p:clrMapOvr>
-  <p:timing>
-    <p:tnLst>
-      <p:par>
-        <p:cTn id="1" dur="indefinite" restart="never" nodeType="tmRoot">
-          <p:childTnLst>
-            <p:seq concurrent="1" nextAc="seek">
-              <p:cTn id="2" dur="indefinite" nodeType="mainSeq">
-                <p:childTnLst>
-                  <p:par>
-                    <p:cTn id="3" fill="hold">
-                      <p:stCondLst>
-                        <p:cond delay="indefinite"/>
-                      </p:stCondLst>
-                      <p:childTnLst>
-                        <p:par>
-                          <p:cTn id="4" fill="hold">
-                            <p:stCondLst>
-                              <p:cond delay="0"/>
-                            </p:stCondLst>
-                            <p:childTnLst>
-                              <p:par>
-                                <p:cTn id="5" presetID="1" presetClass="entr" presetSubtype="0" fill="hold" nodeType="clickEffect">
-                                  <p:stCondLst>
-                                    <p:cond delay="0"/>
-                                  </p:stCondLst>
-                                  <p:childTnLst>
-                                    <p:set>
-                                      <p:cBhvr>
-                                        <p:cTn id="6" dur="1" fill="hold">
-                                          <p:stCondLst>
-                                            <p:cond delay="0"/>
-                                          </p:stCondLst>
-                                        </p:cTn>
-                                        <p:tgtEl>
-                                          <p:spTgt spid="351235">
-                                            <p:txEl>
-                                              <p:pRg st="2" end="2"/>
-                                            </p:txEl>
-                                          </p:spTgt>
-                                        </p:tgtEl>
-                                        <p:attrNameLst>
-                                          <p:attrName>style.visibility</p:attrName>
-                                        </p:attrNameLst>
-                                      </p:cBhvr>
-                                      <p:to>
-                                        <p:strVal val="visible"/>
-                                      </p:to>
-                                    </p:set>
-                                  </p:childTnLst>
-                                </p:cTn>
-                              </p:par>
-                              <p:par>
-                                <p:cTn id="7" presetID="1" presetClass="entr" presetSubtype="0" fill="hold" nodeType="withEffect">
-                                  <p:stCondLst>
-                                    <p:cond delay="0"/>
-                                  </p:stCondLst>
-                                  <p:childTnLst>
-                                    <p:set>
-                                      <p:cBhvr>
-                                        <p:cTn id="8" dur="1" fill="hold">
-                                          <p:stCondLst>
-                                            <p:cond delay="0"/>
-                                          </p:stCondLst>
-                                        </p:cTn>
-                                        <p:tgtEl>
-                                          <p:spTgt spid="351235">
-                                            <p:txEl>
-                                              <p:pRg st="3" end="3"/>
-                                            </p:txEl>
-                                          </p:spTgt>
-                                        </p:tgtEl>
-                                        <p:attrNameLst>
-                                          <p:attrName>style.visibility</p:attrName>
-                                        </p:attrNameLst>
-                                      </p:cBhvr>
-                                      <p:to>
-                                        <p:strVal val="visible"/>
-                                      </p:to>
-                                    </p:set>
-                                  </p:childTnLst>
-                                </p:cTn>
-                              </p:par>
-                              <p:par>
-                                <p:cTn id="9" presetID="1" presetClass="entr" presetSubtype="0" fill="hold" nodeType="withEffect">
-                                  <p:stCondLst>
-                                    <p:cond delay="0"/>
-                                  </p:stCondLst>
-                                  <p:childTnLst>
-                                    <p:set>
-                                      <p:cBhvr>
-                                        <p:cTn id="10" dur="1" fill="hold">
-                                          <p:stCondLst>
-                                            <p:cond delay="0"/>
-                                          </p:stCondLst>
-                                        </p:cTn>
-                                        <p:tgtEl>
-                                          <p:spTgt spid="351235">
-                                            <p:txEl>
-                                              <p:pRg st="4" end="4"/>
-                                            </p:txEl>
-                                          </p:spTgt>
-                                        </p:tgtEl>
-                                        <p:attrNameLst>
-                                          <p:attrName>style.visibility</p:attrName>
-                                        </p:attrNameLst>
-                                      </p:cBhvr>
-                                      <p:to>
-                                        <p:strVal val="visible"/>
-                                      </p:to>
-                                    </p:set>
-                                  </p:childTnLst>
-                                </p:cTn>
-                              </p:par>
-                              <p:par>
-                                <p:cTn id="11" presetID="1" presetClass="entr" presetSubtype="0" fill="hold" nodeType="withEffect">
-                                  <p:stCondLst>
-                                    <p:cond delay="0"/>
-                                  </p:stCondLst>
-                                  <p:childTnLst>
-                                    <p:set>
-                                      <p:cBhvr>
-                                        <p:cTn id="12" dur="1" fill="hold">
-                                          <p:stCondLst>
-                                            <p:cond delay="0"/>
-                                          </p:stCondLst>
-                                        </p:cTn>
-                                        <p:tgtEl>
-                                          <p:spTgt spid="351235">
-                                            <p:txEl>
-                                              <p:pRg st="5" end="5"/>
-                                            </p:txEl>
-                                          </p:spTgt>
-                                        </p:tgtEl>
-                                        <p:attrNameLst>
-                                          <p:attrName>style.visibility</p:attrName>
-                                        </p:attrNameLst>
-                                      </p:cBhvr>
-                                      <p:to>
-                                        <p:strVal val="visible"/>
-                                      </p:to>
-                                    </p:set>
-                                  </p:childTnLst>
-                                </p:cTn>
-                              </p:par>
-                              <p:par>
-                                <p:cTn id="13" presetID="1" presetClass="entr" presetSubtype="0" fill="hold" nodeType="withEffect">
-                                  <p:stCondLst>
-                                    <p:cond delay="0"/>
-                                  </p:stCondLst>
-                                  <p:childTnLst>
-                                    <p:set>
-                                      <p:cBhvr>
-                                        <p:cTn id="14" dur="1" fill="hold">
-                                          <p:stCondLst>
-                                            <p:cond delay="0"/>
-                                          </p:stCondLst>
-                                        </p:cTn>
-                                        <p:tgtEl>
-                                          <p:spTgt spid="351235">
-                                            <p:txEl>
-                                              <p:pRg st="6" end="6"/>
-                                            </p:txEl>
-                                          </p:spTgt>
-                                        </p:tgtEl>
-                                        <p:attrNameLst>
-                                          <p:attrName>style.visibility</p:attrName>
-                                        </p:attrNameLst>
-                                      </p:cBhvr>
-                                      <p:to>
-                                        <p:strVal val="visible"/>
-                                      </p:to>
-                                    </p:set>
-                                  </p:childTnLst>
-                                </p:cTn>
-                              </p:par>
-                              <p:par>
-                                <p:cTn id="15" presetID="1" presetClass="entr" presetSubtype="0" fill="hold" nodeType="withEffect">
-                                  <p:stCondLst>
-                                    <p:cond delay="0"/>
-                                  </p:stCondLst>
-                                  <p:childTnLst>
-                                    <p:set>
-                                      <p:cBhvr>
-                                        <p:cTn id="16" dur="1" fill="hold">
-                                          <p:stCondLst>
-                                            <p:cond delay="0"/>
-                                          </p:stCondLst>
-                                        </p:cTn>
-                                        <p:tgtEl>
-                                          <p:spTgt spid="351235">
-                                            <p:txEl>
-                                              <p:pRg st="7" end="7"/>
-                                            </p:txEl>
-                                          </p:spTgt>
-                                        </p:tgtEl>
-                                        <p:attrNameLst>
-                                          <p:attrName>style.visibility</p:attrName>
-                                        </p:attrNameLst>
-                                      </p:cBhvr>
-                                      <p:to>
-                                        <p:strVal val="visible"/>
-                                      </p:to>
-                                    </p:set>
-                                  </p:childTnLst>
-                                </p:cTn>
-                              </p:par>
-                            </p:childTnLst>
-                          </p:cTn>
-                        </p:par>
-                      </p:childTnLst>
-                    </p:cTn>
-                  </p:par>
-                  <p:par>
-                    <p:cTn id="17" fill="hold">
-                      <p:stCondLst>
-                        <p:cond delay="indefinite"/>
-                      </p:stCondLst>
-                      <p:childTnLst>
-                        <p:par>
-                          <p:cTn id="18" fill="hold">
-                            <p:stCondLst>
-                              <p:cond delay="0"/>
-                            </p:stCondLst>
-                            <p:childTnLst>
-                              <p:par>
-                                <p:cTn id="19" presetID="1" presetClass="entr" presetSubtype="0" fill="hold" nodeType="clickEffect">
-                                  <p:stCondLst>
-                                    <p:cond delay="0"/>
-                                  </p:stCondLst>
-                                  <p:childTnLst>
-                                    <p:set>
-                                      <p:cBhvr>
-                                        <p:cTn id="20" dur="1" fill="hold">
-                                          <p:stCondLst>
-                                            <p:cond delay="0"/>
-                                          </p:stCondLst>
-                                        </p:cTn>
-                                        <p:tgtEl>
-                                          <p:spTgt spid="351235">
-                                            <p:txEl>
-                                              <p:pRg st="8" end="8"/>
-                                            </p:txEl>
-                                          </p:spTgt>
-                                        </p:tgtEl>
-                                        <p:attrNameLst>
-                                          <p:attrName>style.visibility</p:attrName>
-                                        </p:attrNameLst>
-                                      </p:cBhvr>
-                                      <p:to>
-                                        <p:strVal val="visible"/>
-                                      </p:to>
-                                    </p:set>
-                                  </p:childTnLst>
-                                </p:cTn>
-                              </p:par>
-                              <p:par>
-                                <p:cTn id="21" presetID="1" presetClass="entr" presetSubtype="0" fill="hold" nodeType="withEffect">
-                                  <p:stCondLst>
-                                    <p:cond delay="0"/>
-                                  </p:stCondLst>
-                                  <p:childTnLst>
-                                    <p:set>
-                                      <p:cBhvr>
-                                        <p:cTn id="22" dur="1" fill="hold">
-                                          <p:stCondLst>
-                                            <p:cond delay="0"/>
-                                          </p:stCondLst>
-                                        </p:cTn>
-                                        <p:tgtEl>
-                                          <p:spTgt spid="351235">
-                                            <p:txEl>
-                                              <p:pRg st="9" end="9"/>
-                                            </p:txEl>
-                                          </p:spTgt>
-                                        </p:tgtEl>
-                                        <p:attrNameLst>
-                                          <p:attrName>style.visibility</p:attrName>
-                                        </p:attrNameLst>
-                                      </p:cBhvr>
-                                      <p:to>
-                                        <p:strVal val="visible"/>
-                                      </p:to>
-                                    </p:set>
-                                  </p:childTnLst>
-                                </p:cTn>
-                              </p:par>
-                              <p:par>
-                                <p:cTn id="23" presetID="1" presetClass="entr" presetSubtype="0" fill="hold" nodeType="withEffect">
-                                  <p:stCondLst>
-                                    <p:cond delay="0"/>
-                                  </p:stCondLst>
-                                  <p:childTnLst>
-                                    <p:set>
-                                      <p:cBhvr>
-                                        <p:cTn id="24" dur="1" fill="hold">
-                                          <p:stCondLst>
-                                            <p:cond delay="0"/>
-                                          </p:stCondLst>
-                                        </p:cTn>
-                                        <p:tgtEl>
-                                          <p:spTgt spid="351235">
-                                            <p:txEl>
-                                              <p:pRg st="10" end="10"/>
-                                            </p:txEl>
-                                          </p:spTgt>
-                                        </p:tgtEl>
-                                        <p:attrNameLst>
-                                          <p:attrName>style.visibility</p:attrName>
-                                        </p:attrNameLst>
-                                      </p:cBhvr>
-                                      <p:to>
-                                        <p:strVal val="visible"/>
-                                      </p:to>
-                                    </p:set>
-                                  </p:childTnLst>
-                                </p:cTn>
-                              </p:par>
-                            </p:childTnLst>
-                          </p:cTn>
-                        </p:par>
-                      </p:childTnLst>
-                    </p:cTn>
-                  </p:par>
-                  <p:par>
-                    <p:cTn id="25" fill="hold">
-                      <p:stCondLst>
-                        <p:cond delay="indefinite"/>
-                      </p:stCondLst>
-                      <p:childTnLst>
-                        <p:par>
-                          <p:cTn id="26" fill="hold">
-                            <p:stCondLst>
-                              <p:cond delay="0"/>
-                            </p:stCondLst>
-                            <p:childTnLst>
-                              <p:par>
-                                <p:cTn id="27" presetID="1" presetClass="entr" presetSubtype="0" fill="hold" nodeType="clickEffect">
-                                  <p:stCondLst>
-                                    <p:cond delay="0"/>
-                                  </p:stCondLst>
-                                  <p:childTnLst>
-                                    <p:set>
-                                      <p:cBhvr>
-                                        <p:cTn id="28" dur="1" fill="hold">
-                                          <p:stCondLst>
-                                            <p:cond delay="0"/>
-                                          </p:stCondLst>
-                                        </p:cTn>
-                                        <p:tgtEl>
-                                          <p:spTgt spid="351235">
-                                            <p:txEl>
-                                              <p:pRg st="5" end="5"/>
-                                            </p:txEl>
-                                          </p:spTgt>
-                                        </p:tgtEl>
-                                        <p:attrNameLst>
-                                          <p:attrName>style.visibility</p:attrName>
-                                        </p:attrNameLst>
-                                      </p:cBhvr>
-                                      <p:to>
-                                        <p:strVal val="visible"/>
-                                      </p:to>
-                                    </p:set>
-                                  </p:childTnLst>
-                                </p:cTn>
-                              </p:par>
-                              <p:par>
-                                <p:cTn id="29" presetID="1" presetClass="entr" presetSubtype="0" fill="hold" nodeType="withEffect">
-                                  <p:stCondLst>
-                                    <p:cond delay="0"/>
-                                  </p:stCondLst>
-                                  <p:childTnLst>
-                                    <p:set>
-                                      <p:cBhvr>
-                                        <p:cTn id="30" dur="1" fill="hold">
-                                          <p:stCondLst>
-                                            <p:cond delay="0"/>
-                                          </p:stCondLst>
-                                        </p:cTn>
-                                        <p:tgtEl>
-                                          <p:spTgt spid="351235">
-                                            <p:txEl>
-                                              <p:pRg st="6" end="6"/>
-                                            </p:txEl>
-                                          </p:spTgt>
-                                        </p:tgtEl>
-                                        <p:attrNameLst>
-                                          <p:attrName>style.visibility</p:attrName>
-                                        </p:attrNameLst>
-                                      </p:cBhvr>
-                                      <p:to>
-                                        <p:strVal val="visible"/>
-                                      </p:to>
-                                    </p:set>
-                                  </p:childTnLst>
-                                </p:cTn>
-                              </p:par>
-                            </p:childTnLst>
-                          </p:cTn>
-                        </p:par>
-                      </p:childTnLst>
-                    </p:cTn>
-                  </p:par>
-                </p:childTnLst>
-              </p:cTn>
-              <p:prevCondLst>
-                <p:cond evt="onPrev" delay="0">
-                  <p:tgtEl>
-                    <p:sldTgt/>
-                  </p:tgtEl>
-                </p:cond>
-              </p:prevCondLst>
-              <p:nextCondLst>
-                <p:cond evt="onNext" delay="0">
-                  <p:tgtEl>
-                    <p:sldTgt/>
-                  </p:tgtEl>
-                </p:cond>
-              </p:nextCondLst>
-            </p:seq>
-          </p:childTnLst>
-        </p:cTn>
-      </p:par>
-    </p:tnLst>
-  </p:timing>
-</p:sld>
-</file>
-
-<file path=ppt/slides/slide47.xml><?xml version="1.0" encoding="utf-8"?>
-<p:sld xmlns:a="http://schemas.openxmlformats.org/drawingml/2006/main" xmlns:r="http://schemas.openxmlformats.org/officeDocument/2006/relationships" xmlns:p="http://schemas.openxmlformats.org/presentationml/2006/main">
-  <p:cSld>
-    <p:spTree>
-      <p:nvGrpSpPr>
-        <p:cNvPr id="1" name=""/>
-        <p:cNvGrpSpPr/>
-        <p:nvPr/>
-      </p:nvGrpSpPr>
-      <p:grpSpPr>
-        <a:xfrm>
-          <a:off x="0" y="0"/>
-          <a:ext cx="0" cy="0"/>
-          <a:chOff x="0" y="0"/>
-          <a:chExt cx="0" cy="0"/>
-        </a:xfrm>
-      </p:grpSpPr>
-      <p:sp>
-        <p:nvSpPr>
-          <p:cNvPr id="38914" name="Title 1"/>
-          <p:cNvSpPr>
-            <a:spLocks noGrp="1"/>
-          </p:cNvSpPr>
-          <p:nvPr>
-            <p:ph type="title"/>
-          </p:nvPr>
-        </p:nvSpPr>
-        <p:spPr/>
-        <p:txBody>
-          <a:bodyPr/>
-          <a:lstStyle/>
-          <a:p>
-            <a:r>
-              <a:rPr lang="en-US"/>
-              <a:t>Formal algorithmic description</a:t>
-            </a:r>
-          </a:p>
-        </p:txBody>
-      </p:sp>
-      <p:sp>
-        <p:nvSpPr>
-          <p:cNvPr id="38915" name="Content Placeholder 2"/>
-          <p:cNvSpPr>
-            <a:spLocks noGrp="1"/>
-          </p:cNvSpPr>
-          <p:nvPr>
-            <p:ph idx="1"/>
-          </p:nvPr>
-        </p:nvSpPr>
-        <p:spPr>
-          <a:xfrm>
-            <a:off x="1621861" y="1752600"/>
-            <a:ext cx="9122339" cy="4677657"/>
-          </a:xfrm>
-        </p:spPr>
-        <p:txBody>
-          <a:bodyPr>
-            <a:normAutofit/>
-          </a:bodyPr>
-          <a:lstStyle/>
-          <a:p>
-            <a:r>
-              <a:rPr lang="en-US" i="1" dirty="0"/>
-              <a:t>All</a:t>
-            </a:r>
-            <a:r>
-              <a:rPr lang="en-US" dirty="0"/>
-              <a:t> algorithms in this course must have the following components:</a:t>
-            </a:r>
-          </a:p>
-          <a:p>
-            <a:pPr lvl="1"/>
-            <a:r>
-              <a:rPr lang="en-US" dirty="0"/>
-              <a:t>Problem description (1 line max)</a:t>
-            </a:r>
-          </a:p>
-          <a:p>
-            <a:pPr lvl="1"/>
-            <a:r>
-              <a:rPr lang="en-US" dirty="0"/>
-              <a:t>Inputs</a:t>
-            </a:r>
-          </a:p>
-          <a:p>
-            <a:pPr lvl="1"/>
-            <a:r>
-              <a:rPr lang="en-US" dirty="0"/>
-              <a:t>Outputs</a:t>
-            </a:r>
-          </a:p>
-          <a:p>
-            <a:pPr lvl="1"/>
-            <a:r>
-              <a:rPr lang="en-US" dirty="0"/>
-              <a:t>Assumptions</a:t>
-            </a:r>
-          </a:p>
-          <a:p>
-            <a:pPr lvl="1"/>
-            <a:r>
-              <a:rPr lang="en-US" dirty="0"/>
-              <a:t>Strategy overview</a:t>
-            </a:r>
-          </a:p>
-          <a:p>
-            <a:pPr lvl="2"/>
-            <a:r>
-              <a:rPr lang="en-US" dirty="0"/>
-              <a:t>1 or 2 sentences outlining the basic strategy, including the name of the method you are going to use for the algorithm</a:t>
-            </a:r>
-          </a:p>
-          <a:p>
-            <a:pPr lvl="1"/>
-            <a:r>
-              <a:rPr lang="en-US" dirty="0"/>
-              <a:t>Algorithm description</a:t>
-            </a:r>
-          </a:p>
-          <a:p>
-            <a:pPr lvl="2"/>
-            <a:r>
-              <a:rPr lang="en-US" dirty="0"/>
-              <a:t>If listed in English (as opposed to pseudo-code), then it should be listed in steps</a:t>
-            </a:r>
-          </a:p>
-        </p:txBody>
-      </p:sp>
-      <p:sp>
-        <p:nvSpPr>
-          <p:cNvPr id="4" name="Slide Number Placeholder 3"/>
-          <p:cNvSpPr>
-            <a:spLocks noGrp="1"/>
-          </p:cNvSpPr>
-          <p:nvPr>
-            <p:ph type="sldNum" sz="quarter" idx="12"/>
-          </p:nvPr>
-        </p:nvSpPr>
-        <p:spPr/>
-        <p:txBody>
-          <a:bodyPr/>
-          <a:lstStyle/>
-          <a:p>
-            <a:fld id="{F26D9103-0C5C-48AC-B68E-3ED2C1647047}" type="slidenum">
-              <a:rPr lang="en-US" smtClean="0"/>
-              <a:pPr/>
-              <a:t>47</a:t>
-            </a:fld>
-            <a:endParaRPr lang="en-US"/>
-          </a:p>
-        </p:txBody>
-      </p:sp>
-    </p:spTree>
-  </p:cSld>
-  <p:clrMapOvr>
-    <a:masterClrMapping/>
-  </p:clrMapOvr>
-</p:sld>
-</file>
-
-<file path=ppt/slides/slide48.xml><?xml version="1.0" encoding="utf-8"?>
-<p:sld xmlns:a="http://schemas.openxmlformats.org/drawingml/2006/main" xmlns:r="http://schemas.openxmlformats.org/officeDocument/2006/relationships" xmlns:p="http://schemas.openxmlformats.org/presentationml/2006/main">
-  <p:cSld>
-    <p:spTree>
-      <p:nvGrpSpPr>
-        <p:cNvPr id="1" name=""/>
-        <p:cNvGrpSpPr/>
-        <p:nvPr/>
-      </p:nvGrpSpPr>
-      <p:grpSpPr>
-        <a:xfrm>
-          <a:off x="0" y="0"/>
-          <a:ext cx="0" cy="0"/>
-          <a:chOff x="0" y="0"/>
-          <a:chExt cx="0" cy="0"/>
-        </a:xfrm>
-      </p:grpSpPr>
-      <p:sp>
-        <p:nvSpPr>
-          <p:cNvPr id="39938" name="Title 1"/>
-          <p:cNvSpPr>
-            <a:spLocks noGrp="1"/>
-          </p:cNvSpPr>
-          <p:nvPr>
-            <p:ph type="title"/>
-          </p:nvPr>
-        </p:nvSpPr>
-        <p:spPr/>
-        <p:txBody>
-          <a:bodyPr/>
-          <a:lstStyle/>
-          <a:p>
-            <a:r>
-              <a:rPr lang="en-US"/>
-              <a:t>Change solution (greedy)</a:t>
-            </a:r>
-          </a:p>
-        </p:txBody>
-      </p:sp>
-      <p:sp>
-        <p:nvSpPr>
-          <p:cNvPr id="39939" name="Content Placeholder 2"/>
-          <p:cNvSpPr>
-            <a:spLocks noGrp="1"/>
-          </p:cNvSpPr>
-          <p:nvPr>
-            <p:ph idx="1"/>
-          </p:nvPr>
-        </p:nvSpPr>
-        <p:spPr>
-          <a:xfrm>
-            <a:off x="1469461" y="1758324"/>
-            <a:ext cx="9350939" cy="4794876"/>
-          </a:xfrm>
-        </p:spPr>
-        <p:txBody>
-          <a:bodyPr>
-            <a:normAutofit fontScale="92500" lnSpcReduction="10000"/>
-          </a:bodyPr>
-          <a:lstStyle/>
-          <a:p>
-            <a:pPr>
-              <a:lnSpc>
-                <a:spcPct val="90000"/>
-              </a:lnSpc>
-            </a:pPr>
-            <a:r>
-              <a:rPr lang="en-US" sz="2400" b="1" dirty="0"/>
-              <a:t>Problem description:</a:t>
-            </a:r>
-            <a:r>
-              <a:rPr lang="en-US" sz="2400" dirty="0"/>
-              <a:t> providing coin change of a given amount in the fewest number of coins</a:t>
-            </a:r>
-          </a:p>
-          <a:p>
-            <a:pPr>
-              <a:lnSpc>
-                <a:spcPct val="90000"/>
-              </a:lnSpc>
-            </a:pPr>
-            <a:r>
-              <a:rPr lang="en-US" sz="2400" b="1" dirty="0"/>
-              <a:t>Inputs:</a:t>
-            </a:r>
-            <a:r>
-              <a:rPr lang="en-US" sz="2400" dirty="0"/>
-              <a:t> the dollar-amount to return.  Perhaps the possible set of coins, if it is non-obvious.</a:t>
-            </a:r>
-          </a:p>
-          <a:p>
-            <a:pPr>
-              <a:lnSpc>
-                <a:spcPct val="90000"/>
-              </a:lnSpc>
-            </a:pPr>
-            <a:r>
-              <a:rPr lang="en-US" sz="2400" b="1" dirty="0"/>
-              <a:t>Output:</a:t>
-            </a:r>
-            <a:r>
-              <a:rPr lang="en-US" sz="2400" dirty="0"/>
-              <a:t> a set of coins that obtains the desired amount of change in the fewest number of coins</a:t>
-            </a:r>
-          </a:p>
-          <a:p>
-            <a:pPr>
-              <a:lnSpc>
-                <a:spcPct val="90000"/>
-              </a:lnSpc>
-            </a:pPr>
-            <a:r>
-              <a:rPr lang="en-US" sz="2400" b="1" dirty="0"/>
-              <a:t>Assumptions:</a:t>
-            </a:r>
-            <a:r>
-              <a:rPr lang="en-US" sz="2400" dirty="0"/>
-              <a:t> If the coins are not stated, then they are the standard quarter, dime, nickel, and penny.  All inputs are non-negative, and dollar amounts are ignored.</a:t>
-            </a:r>
-          </a:p>
-          <a:p>
-            <a:pPr>
-              <a:lnSpc>
-                <a:spcPct val="90000"/>
-              </a:lnSpc>
-            </a:pPr>
-            <a:r>
-              <a:rPr lang="en-US" sz="2400" b="1" dirty="0"/>
-              <a:t>Strategy:</a:t>
-            </a:r>
-            <a:r>
-              <a:rPr lang="en-US" sz="2400" dirty="0"/>
-              <a:t> a greedy algorithm that uses the largest coins first</a:t>
-            </a:r>
-          </a:p>
-          <a:p>
-            <a:pPr>
-              <a:lnSpc>
-                <a:spcPct val="90000"/>
-              </a:lnSpc>
-            </a:pPr>
-            <a:r>
-              <a:rPr lang="en-US" sz="2400" b="1" dirty="0"/>
-              <a:t>Description:</a:t>
-            </a:r>
-            <a:r>
-              <a:rPr lang="en-US" sz="2400" dirty="0"/>
-              <a:t> Issue the largest coin (quarters) until the amount left is less than the amount of a quarter ($0.25).  Repeat with decreasing coin sizes (dimes, nickels, pennies).</a:t>
-            </a:r>
-            <a:endParaRPr lang="en-US" dirty="0"/>
-          </a:p>
-        </p:txBody>
-      </p:sp>
-      <p:sp>
-        <p:nvSpPr>
-          <p:cNvPr id="4" name="Slide Number Placeholder 3"/>
-          <p:cNvSpPr>
-            <a:spLocks noGrp="1"/>
-          </p:cNvSpPr>
-          <p:nvPr>
-            <p:ph type="sldNum" sz="quarter" idx="12"/>
-          </p:nvPr>
-        </p:nvSpPr>
-        <p:spPr/>
-        <p:txBody>
-          <a:bodyPr/>
-          <a:lstStyle/>
-          <a:p>
-            <a:fld id="{F26D9103-0C5C-48AC-B68E-3ED2C1647047}" type="slidenum">
-              <a:rPr lang="en-US" smtClean="0"/>
-              <a:pPr/>
-              <a:t>48</a:t>
-            </a:fld>
-            <a:endParaRPr lang="en-US"/>
-          </a:p>
-        </p:txBody>
-      </p:sp>
-    </p:spTree>
-  </p:cSld>
-  <p:clrMapOvr>
-    <a:masterClrMapping/>
-  </p:clrMapOvr>
-</p:sld>
-</file>
-
-<file path=ppt/slides/slide49.xml><?xml version="1.0" encoding="utf-8"?>
-<p:sld xmlns:a="http://schemas.openxmlformats.org/drawingml/2006/main" xmlns:r="http://schemas.openxmlformats.org/officeDocument/2006/relationships" xmlns:p="http://schemas.openxmlformats.org/presentationml/2006/main">
-  <p:cSld>
-    <p:spTree>
-      <p:nvGrpSpPr>
-        <p:cNvPr id="1" name=""/>
-        <p:cNvGrpSpPr/>
-        <p:nvPr/>
-      </p:nvGrpSpPr>
-      <p:grpSpPr>
-        <a:xfrm>
-          <a:off x="0" y="0"/>
-          <a:ext cx="0" cy="0"/>
-          <a:chOff x="0" y="0"/>
-          <a:chExt cx="0" cy="0"/>
-        </a:xfrm>
-      </p:grpSpPr>
-      <p:sp>
-        <p:nvSpPr>
           <p:cNvPr id="40962" name="Rectangle 2"/>
           <p:cNvSpPr>
             <a:spLocks noGrp="1" noChangeArrowheads="1"/>
@@ -14393,7 +13223,7 @@
             <a:fld id="{F26D9103-0C5C-48AC-B68E-3ED2C1647047}" type="slidenum">
               <a:rPr lang="en-US" smtClean="0"/>
               <a:pPr/>
-              <a:t>49</a:t>
+              <a:t>46</a:t>
             </a:fld>
             <a:endParaRPr lang="en-US"/>
           </a:p>
@@ -14711,176 +13541,7 @@
 </p:sld>
 </file>
 
-<file path=ppt/slides/slide5.xml><?xml version="1.0" encoding="utf-8"?>
-<p:sld xmlns:a="http://schemas.openxmlformats.org/drawingml/2006/main" xmlns:r="http://schemas.openxmlformats.org/officeDocument/2006/relationships" xmlns:p="http://schemas.openxmlformats.org/presentationml/2006/main" show="0">
-  <p:cSld>
-    <p:spTree>
-      <p:nvGrpSpPr>
-        <p:cNvPr id="1" name=""/>
-        <p:cNvGrpSpPr/>
-        <p:nvPr/>
-      </p:nvGrpSpPr>
-      <p:grpSpPr>
-        <a:xfrm>
-          <a:off x="0" y="0"/>
-          <a:ext cx="0" cy="0"/>
-          <a:chOff x="0" y="0"/>
-          <a:chExt cx="0" cy="0"/>
-        </a:xfrm>
-      </p:grpSpPr>
-      <p:sp>
-        <p:nvSpPr>
-          <p:cNvPr id="2" name="Title 1">
-            <a:extLst>
-              <a:ext uri="{FF2B5EF4-FFF2-40B4-BE49-F238E27FC236}">
-                <a16:creationId xmlns:a16="http://schemas.microsoft.com/office/drawing/2014/main" id="{D4C714F9-F01E-7B4D-8EB0-3B151FAE663D}"/>
-              </a:ext>
-            </a:extLst>
-          </p:cNvPr>
-          <p:cNvSpPr>
-            <a:spLocks noGrp="1"/>
-          </p:cNvSpPr>
-          <p:nvPr>
-            <p:ph type="title"/>
-          </p:nvPr>
-        </p:nvSpPr>
-        <p:spPr/>
-        <p:txBody>
-          <a:bodyPr/>
-          <a:lstStyle/>
-          <a:p>
-            <a:r>
-              <a:rPr lang="en-US" dirty="0"/>
-              <a:t>Discord</a:t>
-            </a:r>
-          </a:p>
-        </p:txBody>
-      </p:sp>
-      <p:sp>
-        <p:nvSpPr>
-          <p:cNvPr id="4" name="Content Placeholder 3">
-            <a:extLst>
-              <a:ext uri="{FF2B5EF4-FFF2-40B4-BE49-F238E27FC236}">
-                <a16:creationId xmlns:a16="http://schemas.microsoft.com/office/drawing/2014/main" id="{930851DE-8B7D-3A4B-A735-7873D3097E8B}"/>
-              </a:ext>
-            </a:extLst>
-          </p:cNvPr>
-          <p:cNvSpPr>
-            <a:spLocks noGrp="1"/>
-          </p:cNvSpPr>
-          <p:nvPr>
-            <p:ph idx="1"/>
-          </p:nvPr>
-        </p:nvSpPr>
-        <p:spPr/>
-        <p:txBody>
-          <a:bodyPr>
-            <a:normAutofit fontScale="92500" lnSpcReduction="10000"/>
-          </a:bodyPr>
-          <a:lstStyle/>
-          <a:p>
-            <a:r>
-              <a:rPr lang="en-US" dirty="0"/>
-              <a:t>Much of our course communication will happen on Discord.</a:t>
-            </a:r>
-          </a:p>
-          <a:p>
-            <a:pPr lvl="1"/>
-            <a:r>
-              <a:rPr lang="en-US" dirty="0"/>
-              <a:t>Class announcements</a:t>
-            </a:r>
-          </a:p>
-          <a:p>
-            <a:pPr lvl="1"/>
-            <a:r>
-              <a:rPr lang="en-US" dirty="0"/>
-              <a:t>Office Hours</a:t>
-            </a:r>
-          </a:p>
-          <a:p>
-            <a:pPr lvl="1"/>
-            <a:r>
-              <a:rPr lang="en-US" dirty="0"/>
-              <a:t>General Q&amp;A with TAs, etc. (We will use Piazza too)</a:t>
-            </a:r>
-          </a:p>
-          <a:p>
-            <a:pPr lvl="2"/>
-            <a:r>
-              <a:rPr lang="en-US" dirty="0"/>
-              <a:t>If you want instructors to see it, use Piazza</a:t>
-            </a:r>
-          </a:p>
-          <a:p>
-            <a:pPr lvl="2"/>
-            <a:r>
-              <a:rPr lang="en-US" dirty="0"/>
-              <a:t>If someone else might search for this later, use Piazza</a:t>
-            </a:r>
-          </a:p>
-          <a:p>
-            <a:endParaRPr lang="en-US" dirty="0"/>
-          </a:p>
-          <a:p>
-            <a:r>
-              <a:rPr lang="en-US" dirty="0"/>
-              <a:t>Please join ASAP!</a:t>
-            </a:r>
-          </a:p>
-          <a:p>
-            <a:pPr lvl="1"/>
-            <a:r>
-              <a:rPr lang="en-US" dirty="0"/>
-              <a:t>(expires end of first week or so)</a:t>
-            </a:r>
-          </a:p>
-        </p:txBody>
-      </p:sp>
-      <p:sp>
-        <p:nvSpPr>
-          <p:cNvPr id="3" name="Slide Number Placeholder 2">
-            <a:extLst>
-              <a:ext uri="{FF2B5EF4-FFF2-40B4-BE49-F238E27FC236}">
-                <a16:creationId xmlns:a16="http://schemas.microsoft.com/office/drawing/2014/main" id="{4409C9D4-846F-D543-85FE-C390EBACF5F4}"/>
-              </a:ext>
-            </a:extLst>
-          </p:cNvPr>
-          <p:cNvSpPr>
-            <a:spLocks noGrp="1"/>
-          </p:cNvSpPr>
-          <p:nvPr>
-            <p:ph type="sldNum" sz="quarter" idx="12"/>
-          </p:nvPr>
-        </p:nvSpPr>
-        <p:spPr/>
-        <p:txBody>
-          <a:bodyPr/>
-          <a:lstStyle/>
-          <a:p>
-            <a:fld id="{F26D9103-0C5C-48AC-B68E-3ED2C1647047}" type="slidenum">
-              <a:rPr lang="en-US" smtClean="0"/>
-              <a:pPr/>
-              <a:t>5</a:t>
-            </a:fld>
-            <a:endParaRPr lang="en-US"/>
-          </a:p>
-        </p:txBody>
-      </p:sp>
-    </p:spTree>
-    <p:extLst>
-      <p:ext uri="{BB962C8B-B14F-4D97-AF65-F5344CB8AC3E}">
-        <p14:creationId xmlns:p14="http://schemas.microsoft.com/office/powerpoint/2010/main" val="1060944959"/>
-      </p:ext>
-    </p:extLst>
-  </p:cSld>
-  <p:clrMapOvr>
-    <a:masterClrMapping/>
-  </p:clrMapOvr>
-</p:sld>
-</file>
-
-<file path=ppt/slides/slide50.xml><?xml version="1.0" encoding="utf-8"?>
+<file path=ppt/slides/slide47.xml><?xml version="1.0" encoding="utf-8"?>
 <p:sld xmlns:a="http://schemas.openxmlformats.org/drawingml/2006/main" xmlns:r="http://schemas.openxmlformats.org/officeDocument/2006/relationships" xmlns:p="http://schemas.openxmlformats.org/presentationml/2006/main">
   <p:cSld>
     <p:spTree>
@@ -14956,7 +13617,7 @@
             <a:fld id="{F26D9103-0C5C-48AC-B68E-3ED2C1647047}" type="slidenum">
               <a:rPr lang="en-US" smtClean="0"/>
               <a:pPr/>
-              <a:t>50</a:t>
+              <a:t>47</a:t>
             </a:fld>
             <a:endParaRPr lang="en-US"/>
           </a:p>
@@ -14970,7 +13631,7 @@
 </p:sld>
 </file>
 
-<file path=ppt/slides/slide51.xml><?xml version="1.0" encoding="utf-8"?>
+<file path=ppt/slides/slide48.xml><?xml version="1.0" encoding="utf-8"?>
 <p:sld xmlns:a="http://schemas.openxmlformats.org/drawingml/2006/main" xmlns:r="http://schemas.openxmlformats.org/officeDocument/2006/relationships" xmlns:p="http://schemas.openxmlformats.org/presentationml/2006/main">
   <p:cSld>
     <p:spTree>
@@ -15094,7 +13755,7 @@
             <a:fld id="{F26D9103-0C5C-48AC-B68E-3ED2C1647047}" type="slidenum">
               <a:rPr lang="en-US" smtClean="0"/>
               <a:pPr/>
-              <a:t>51</a:t>
+              <a:t>48</a:t>
             </a:fld>
             <a:endParaRPr lang="en-US"/>
           </a:p>
@@ -15145,7 +13806,7 @@
 </p:sld>
 </file>
 
-<file path=ppt/slides/slide52.xml><?xml version="1.0" encoding="utf-8"?>
+<file path=ppt/slides/slide49.xml><?xml version="1.0" encoding="utf-8"?>
 <p:sld xmlns:a="http://schemas.openxmlformats.org/drawingml/2006/main" xmlns:r="http://schemas.openxmlformats.org/officeDocument/2006/relationships" xmlns:p="http://schemas.openxmlformats.org/presentationml/2006/main">
   <p:cSld>
     <p:spTree>
@@ -15261,7 +13922,7 @@
             <a:fld id="{F26D9103-0C5C-48AC-B68E-3ED2C1647047}" type="slidenum">
               <a:rPr lang="en-US" smtClean="0"/>
               <a:pPr/>
-              <a:t>52</a:t>
+              <a:t>49</a:t>
             </a:fld>
             <a:endParaRPr lang="en-US"/>
           </a:p>
@@ -15312,7 +13973,7 @@
 </p:sld>
 </file>
 
-<file path=ppt/slides/slide53.xml><?xml version="1.0" encoding="utf-8"?>
+<file path=ppt/slides/slide5.xml><?xml version="1.0" encoding="utf-8"?>
 <p:sld xmlns:a="http://schemas.openxmlformats.org/drawingml/2006/main" xmlns:r="http://schemas.openxmlformats.org/officeDocument/2006/relationships" xmlns:p="http://schemas.openxmlformats.org/presentationml/2006/main">
   <p:cSld>
     <p:spTree>
@@ -15331,6 +13992,173 @@
       </p:grpSpPr>
       <p:sp>
         <p:nvSpPr>
+          <p:cNvPr id="2" name="Title 1">
+            <a:extLst>
+              <a:ext uri="{FF2B5EF4-FFF2-40B4-BE49-F238E27FC236}">
+                <a16:creationId xmlns:a16="http://schemas.microsoft.com/office/drawing/2014/main" id="{D4C714F9-F01E-7B4D-8EB0-3B151FAE663D}"/>
+              </a:ext>
+            </a:extLst>
+          </p:cNvPr>
+          <p:cNvSpPr>
+            <a:spLocks noGrp="1"/>
+          </p:cNvSpPr>
+          <p:nvPr>
+            <p:ph type="title"/>
+          </p:nvPr>
+        </p:nvSpPr>
+        <p:spPr/>
+        <p:txBody>
+          <a:bodyPr/>
+          <a:lstStyle/>
+          <a:p>
+            <a:r>
+              <a:rPr lang="en-US" dirty="0"/>
+              <a:t>Discord</a:t>
+            </a:r>
+          </a:p>
+        </p:txBody>
+      </p:sp>
+      <p:sp>
+        <p:nvSpPr>
+          <p:cNvPr id="4" name="Content Placeholder 3">
+            <a:extLst>
+              <a:ext uri="{FF2B5EF4-FFF2-40B4-BE49-F238E27FC236}">
+                <a16:creationId xmlns:a16="http://schemas.microsoft.com/office/drawing/2014/main" id="{930851DE-8B7D-3A4B-A735-7873D3097E8B}"/>
+              </a:ext>
+            </a:extLst>
+          </p:cNvPr>
+          <p:cNvSpPr>
+            <a:spLocks noGrp="1"/>
+          </p:cNvSpPr>
+          <p:nvPr>
+            <p:ph idx="1"/>
+          </p:nvPr>
+        </p:nvSpPr>
+        <p:spPr>
+          <a:xfrm>
+            <a:off x="1317061" y="1600200"/>
+            <a:ext cx="9274739" cy="4755803"/>
+          </a:xfrm>
+        </p:spPr>
+        <p:txBody>
+          <a:bodyPr>
+            <a:normAutofit/>
+          </a:bodyPr>
+          <a:lstStyle/>
+          <a:p>
+            <a:r>
+              <a:rPr lang="en-US" dirty="0"/>
+              <a:t>Much of our course communication will happen on Discord.</a:t>
+            </a:r>
+          </a:p>
+          <a:p>
+            <a:pPr lvl="1"/>
+            <a:r>
+              <a:rPr lang="en-US" dirty="0"/>
+              <a:t>Class announcements (email used also)</a:t>
+            </a:r>
+          </a:p>
+          <a:p>
+            <a:pPr lvl="1"/>
+            <a:r>
+              <a:rPr lang="en-US" dirty="0"/>
+              <a:t>Online Office Hours</a:t>
+            </a:r>
+          </a:p>
+          <a:p>
+            <a:pPr lvl="1"/>
+            <a:r>
+              <a:rPr lang="en-US" dirty="0"/>
+              <a:t>General Q&amp;A with TAs, etc. (We will use Piazza too)</a:t>
+            </a:r>
+          </a:p>
+          <a:p>
+            <a:pPr lvl="2"/>
+            <a:r>
+              <a:rPr lang="en-US" dirty="0"/>
+              <a:t>If you want instructors to see it, use Piazza</a:t>
+            </a:r>
+          </a:p>
+          <a:p>
+            <a:pPr lvl="2"/>
+            <a:r>
+              <a:rPr lang="en-US" dirty="0"/>
+              <a:t>If someone else might search for this later, use Piazza</a:t>
+            </a:r>
+          </a:p>
+          <a:p>
+            <a:endParaRPr lang="en-US" dirty="0"/>
+          </a:p>
+          <a:p>
+            <a:r>
+              <a:rPr lang="en-US" dirty="0"/>
+              <a:t>Will send out an invite link eventually. Not quite ready yet.</a:t>
+            </a:r>
+          </a:p>
+        </p:txBody>
+      </p:sp>
+      <p:sp>
+        <p:nvSpPr>
+          <p:cNvPr id="3" name="Slide Number Placeholder 2">
+            <a:extLst>
+              <a:ext uri="{FF2B5EF4-FFF2-40B4-BE49-F238E27FC236}">
+                <a16:creationId xmlns:a16="http://schemas.microsoft.com/office/drawing/2014/main" id="{4409C9D4-846F-D543-85FE-C390EBACF5F4}"/>
+              </a:ext>
+            </a:extLst>
+          </p:cNvPr>
+          <p:cNvSpPr>
+            <a:spLocks noGrp="1"/>
+          </p:cNvSpPr>
+          <p:nvPr>
+            <p:ph type="sldNum" sz="quarter" idx="12"/>
+          </p:nvPr>
+        </p:nvSpPr>
+        <p:spPr/>
+        <p:txBody>
+          <a:bodyPr/>
+          <a:lstStyle/>
+          <a:p>
+            <a:fld id="{F26D9103-0C5C-48AC-B68E-3ED2C1647047}" type="slidenum">
+              <a:rPr lang="en-US" smtClean="0"/>
+              <a:pPr/>
+              <a:t>5</a:t>
+            </a:fld>
+            <a:endParaRPr lang="en-US"/>
+          </a:p>
+        </p:txBody>
+      </p:sp>
+    </p:spTree>
+    <p:extLst>
+      <p:ext uri="{BB962C8B-B14F-4D97-AF65-F5344CB8AC3E}">
+        <p14:creationId xmlns:p14="http://schemas.microsoft.com/office/powerpoint/2010/main" val="1060944959"/>
+      </p:ext>
+    </p:extLst>
+  </p:cSld>
+  <p:clrMapOvr>
+    <a:masterClrMapping/>
+  </p:clrMapOvr>
+</p:sld>
+</file>
+
+<file path=ppt/slides/slide50.xml><?xml version="1.0" encoding="utf-8"?>
+<p:sld xmlns:a="http://schemas.openxmlformats.org/drawingml/2006/main" xmlns:r="http://schemas.openxmlformats.org/officeDocument/2006/relationships" xmlns:p="http://schemas.openxmlformats.org/presentationml/2006/main">
+  <p:cSld>
+    <p:spTree>
+      <p:nvGrpSpPr>
+        <p:cNvPr id="1" name=""/>
+        <p:cNvGrpSpPr/>
+        <p:nvPr/>
+      </p:nvGrpSpPr>
+      <p:grpSpPr>
+        <a:xfrm>
+          <a:off x="0" y="0"/>
+          <a:ext cx="0" cy="0"/>
+          <a:chOff x="0" y="0"/>
+          <a:chExt cx="0" cy="0"/>
+        </a:xfrm>
+      </p:grpSpPr>
+      <p:sp>
+        <p:nvSpPr>
           <p:cNvPr id="2" name="Title 1"/>
           <p:cNvSpPr>
             <a:spLocks noGrp="1"/>
@@ -15510,7 +14338,7 @@
             <a:fld id="{F26D9103-0C5C-48AC-B68E-3ED2C1647047}" type="slidenum">
               <a:rPr lang="en-US" smtClean="0"/>
               <a:pPr/>
-              <a:t>53</a:t>
+              <a:t>50</a:t>
             </a:fld>
             <a:endParaRPr lang="en-US"/>
           </a:p>
@@ -15572,7 +14400,7 @@
 </p:sld>
 </file>
 
-<file path=ppt/slides/slide54.xml><?xml version="1.0" encoding="utf-8"?>
+<file path=ppt/slides/slide51.xml><?xml version="1.0" encoding="utf-8"?>
 <p:sld xmlns:a="http://schemas.openxmlformats.org/drawingml/2006/main" xmlns:r="http://schemas.openxmlformats.org/officeDocument/2006/relationships" xmlns:p="http://schemas.openxmlformats.org/presentationml/2006/main">
   <p:cSld>
     <p:spTree>
@@ -15745,7 +14573,7 @@
             <a:fld id="{F26D9103-0C5C-48AC-B68E-3ED2C1647047}" type="slidenum">
               <a:rPr lang="en-US" smtClean="0"/>
               <a:pPr/>
-              <a:t>54</a:t>
+              <a:t>51</a:t>
             </a:fld>
             <a:endParaRPr lang="en-US"/>
           </a:p>
@@ -15796,7 +14624,7 @@
 </p:sld>
 </file>
 
-<file path=ppt/slides/slide55.xml><?xml version="1.0" encoding="utf-8"?>
+<file path=ppt/slides/slide52.xml><?xml version="1.0" encoding="utf-8"?>
 <p:sld xmlns:a="http://schemas.openxmlformats.org/drawingml/2006/main" xmlns:r="http://schemas.openxmlformats.org/officeDocument/2006/relationships" xmlns:p="http://schemas.openxmlformats.org/presentationml/2006/main">
   <p:cSld>
     <p:spTree>
@@ -15904,7 +14732,7 @@
             <a:fld id="{F26D9103-0C5C-48AC-B68E-3ED2C1647047}" type="slidenum">
               <a:rPr lang="en-US" smtClean="0"/>
               <a:pPr/>
-              <a:t>55</a:t>
+              <a:t>52</a:t>
             </a:fld>
             <a:endParaRPr lang="en-US"/>
           </a:p>
@@ -16016,10 +14844,15 @@
             <p:ph idx="1"/>
           </p:nvPr>
         </p:nvSpPr>
-        <p:spPr/>
+        <p:spPr>
+          <a:xfrm>
+            <a:off x="1676400" y="1611762"/>
+            <a:ext cx="8893739" cy="4560438"/>
+          </a:xfrm>
+        </p:spPr>
         <p:txBody>
           <a:bodyPr>
-            <a:normAutofit fontScale="92500" lnSpcReduction="10000"/>
+            <a:normAutofit/>
           </a:bodyPr>
           <a:lstStyle/>
           <a:p>
@@ -16184,10 +15017,15 @@
             </p:custDataLst>
           </p:nvPr>
         </p:nvSpPr>
-        <p:spPr/>
+        <p:spPr>
+          <a:xfrm>
+            <a:off x="1752600" y="1752600"/>
+            <a:ext cx="8817539" cy="4521365"/>
+          </a:xfrm>
+        </p:spPr>
         <p:txBody>
           <a:bodyPr>
-            <a:normAutofit fontScale="85000" lnSpcReduction="20000"/>
+            <a:normAutofit fontScale="92500" lnSpcReduction="10000"/>
           </a:bodyPr>
           <a:lstStyle/>
           <a:p>
@@ -17286,13 +16124,13 @@
 
 <file path=ppt/tags/tag31.xml><?xml version="1.0" encoding="utf-8"?>
 <p:tagLst xmlns:a="http://schemas.openxmlformats.org/drawingml/2006/main" xmlns:r="http://schemas.openxmlformats.org/officeDocument/2006/relationships" xmlns:p="http://schemas.openxmlformats.org/presentationml/2006/main">
-  <p:tag name="_INSTRUCTOR VIEW19C14C36-AC8E-43BC-9DB6-C2AAF774C7DC|PANE__TAG" val="_"/>
+  <p:tag name="IIW_TYPE_IMAGE" val="Text Box 3"/>
 </p:tagLst>
 </file>
 
 <file path=ppt/tags/tag32.xml><?xml version="1.0" encoding="utf-8"?>
 <p:tagLst xmlns:a="http://schemas.openxmlformats.org/drawingml/2006/main" xmlns:r="http://schemas.openxmlformats.org/officeDocument/2006/relationships" xmlns:p="http://schemas.openxmlformats.org/presentationml/2006/main">
-  <p:tag name="_INSTRUCTOR VIEW19C14C36-AC8E-43BC-9DB6-C2AAF774C7DC|PANE__TAG" val="_"/>
+  <p:tag name="IIW_TYPE_IMAGE" val="Text Box 3"/>
 </p:tagLst>
 </file>
 
@@ -17309,18 +16147,6 @@
 </file>
 
 <file path=ppt/tags/tag35.xml><?xml version="1.0" encoding="utf-8"?>
-<p:tagLst xmlns:a="http://schemas.openxmlformats.org/drawingml/2006/main" xmlns:r="http://schemas.openxmlformats.org/officeDocument/2006/relationships" xmlns:p="http://schemas.openxmlformats.org/presentationml/2006/main">
-  <p:tag name="IIW_TYPE_IMAGE" val="Text Box 3"/>
-</p:tagLst>
-</file>
-
-<file path=ppt/tags/tag36.xml><?xml version="1.0" encoding="utf-8"?>
-<p:tagLst xmlns:a="http://schemas.openxmlformats.org/drawingml/2006/main" xmlns:r="http://schemas.openxmlformats.org/officeDocument/2006/relationships" xmlns:p="http://schemas.openxmlformats.org/presentationml/2006/main">
-  <p:tag name="IIW_TYPE_IMAGE" val="Text Box 3"/>
-</p:tagLst>
-</file>
-
-<file path=ppt/tags/tag37.xml><?xml version="1.0" encoding="utf-8"?>
 <p:tagLst xmlns:a="http://schemas.openxmlformats.org/drawingml/2006/main" xmlns:r="http://schemas.openxmlformats.org/officeDocument/2006/relationships" xmlns:p="http://schemas.openxmlformats.org/presentationml/2006/main">
   <p:tag name="IIW_TYPE_IMAGE" val="Text Box 3"/>
 </p:tagLst>
